--- a/images/gen.pptx
+++ b/images/gen.pptx
@@ -5,12 +5,13 @@
     <p:sldMasterId id="2147483648" r:id="rId1"/>
   </p:sldMasterIdLst>
   <p:notesMasterIdLst>
-    <p:notesMasterId r:id="rId5"/>
+    <p:notesMasterId r:id="rId6"/>
   </p:notesMasterIdLst>
   <p:sldIdLst>
-    <p:sldId id="256" r:id="rId2"/>
-    <p:sldId id="257" r:id="rId3"/>
-    <p:sldId id="258" r:id="rId4"/>
+    <p:sldId id="259" r:id="rId2"/>
+    <p:sldId id="256" r:id="rId3"/>
+    <p:sldId id="257" r:id="rId4"/>
+    <p:sldId id="258" r:id="rId5"/>
   </p:sldIdLst>
   <p:sldSz cx="12192000" cy="6858000"/>
   <p:notesSz cx="6858000" cy="9144000"/>
@@ -199,7 +200,7 @@
           <a:p>
             <a:fld id="{E8F89FD8-6227-442C-A623-BA311A8FCDF8}" type="datetimeFigureOut">
               <a:rPr lang="en-US" smtClean="0"/>
-              <a:t>3/14/2021</a:t>
+              <a:t>3/19/2021</a:t>
             </a:fld>
             <a:endParaRPr lang="en-US"/>
           </a:p>
@@ -531,7 +532,7 @@
           <a:p>
             <a:fld id="{98E83009-5B63-4068-AFC4-DBA55062139E}" type="slidenum">
               <a:rPr lang="en-US" smtClean="0"/>
-              <a:t>2</a:t>
+              <a:t>3</a:t>
             </a:fld>
             <a:endParaRPr lang="en-US"/>
           </a:p>
@@ -697,7 +698,7 @@
           <a:p>
             <a:fld id="{91D99814-262F-40F8-BF7C-0D9B08F3E6A2}" type="datetimeFigureOut">
               <a:rPr lang="en-US" smtClean="0"/>
-              <a:t>3/14/2021</a:t>
+              <a:t>3/19/2021</a:t>
             </a:fld>
             <a:endParaRPr lang="en-US"/>
           </a:p>
@@ -895,7 +896,7 @@
           <a:p>
             <a:fld id="{91D99814-262F-40F8-BF7C-0D9B08F3E6A2}" type="datetimeFigureOut">
               <a:rPr lang="en-US" smtClean="0"/>
-              <a:t>3/14/2021</a:t>
+              <a:t>3/19/2021</a:t>
             </a:fld>
             <a:endParaRPr lang="en-US"/>
           </a:p>
@@ -1103,7 +1104,7 @@
           <a:p>
             <a:fld id="{91D99814-262F-40F8-BF7C-0D9B08F3E6A2}" type="datetimeFigureOut">
               <a:rPr lang="en-US" smtClean="0"/>
-              <a:t>3/14/2021</a:t>
+              <a:t>3/19/2021</a:t>
             </a:fld>
             <a:endParaRPr lang="en-US"/>
           </a:p>
@@ -1301,7 +1302,7 @@
           <a:p>
             <a:fld id="{91D99814-262F-40F8-BF7C-0D9B08F3E6A2}" type="datetimeFigureOut">
               <a:rPr lang="en-US" smtClean="0"/>
-              <a:t>3/14/2021</a:t>
+              <a:t>3/19/2021</a:t>
             </a:fld>
             <a:endParaRPr lang="en-US"/>
           </a:p>
@@ -1576,7 +1577,7 @@
           <a:p>
             <a:fld id="{91D99814-262F-40F8-BF7C-0D9B08F3E6A2}" type="datetimeFigureOut">
               <a:rPr lang="en-US" smtClean="0"/>
-              <a:t>3/14/2021</a:t>
+              <a:t>3/19/2021</a:t>
             </a:fld>
             <a:endParaRPr lang="en-US"/>
           </a:p>
@@ -1841,7 +1842,7 @@
           <a:p>
             <a:fld id="{91D99814-262F-40F8-BF7C-0D9B08F3E6A2}" type="datetimeFigureOut">
               <a:rPr lang="en-US" smtClean="0"/>
-              <a:t>3/14/2021</a:t>
+              <a:t>3/19/2021</a:t>
             </a:fld>
             <a:endParaRPr lang="en-US"/>
           </a:p>
@@ -2253,7 +2254,7 @@
           <a:p>
             <a:fld id="{91D99814-262F-40F8-BF7C-0D9B08F3E6A2}" type="datetimeFigureOut">
               <a:rPr lang="en-US" smtClean="0"/>
-              <a:t>3/14/2021</a:t>
+              <a:t>3/19/2021</a:t>
             </a:fld>
             <a:endParaRPr lang="en-US"/>
           </a:p>
@@ -2394,7 +2395,7 @@
           <a:p>
             <a:fld id="{91D99814-262F-40F8-BF7C-0D9B08F3E6A2}" type="datetimeFigureOut">
               <a:rPr lang="en-US" smtClean="0"/>
-              <a:t>3/14/2021</a:t>
+              <a:t>3/19/2021</a:t>
             </a:fld>
             <a:endParaRPr lang="en-US"/>
           </a:p>
@@ -2507,7 +2508,7 @@
           <a:p>
             <a:fld id="{91D99814-262F-40F8-BF7C-0D9B08F3E6A2}" type="datetimeFigureOut">
               <a:rPr lang="en-US" smtClean="0"/>
-              <a:t>3/14/2021</a:t>
+              <a:t>3/19/2021</a:t>
             </a:fld>
             <a:endParaRPr lang="en-US"/>
           </a:p>
@@ -2818,7 +2819,7 @@
           <a:p>
             <a:fld id="{91D99814-262F-40F8-BF7C-0D9B08F3E6A2}" type="datetimeFigureOut">
               <a:rPr lang="en-US" smtClean="0"/>
-              <a:t>3/14/2021</a:t>
+              <a:t>3/19/2021</a:t>
             </a:fld>
             <a:endParaRPr lang="en-US"/>
           </a:p>
@@ -3106,7 +3107,7 @@
           <a:p>
             <a:fld id="{91D99814-262F-40F8-BF7C-0D9B08F3E6A2}" type="datetimeFigureOut">
               <a:rPr lang="en-US" smtClean="0"/>
-              <a:t>3/14/2021</a:t>
+              <a:t>3/19/2021</a:t>
             </a:fld>
             <a:endParaRPr lang="en-US"/>
           </a:p>
@@ -3347,7 +3348,7 @@
           <a:p>
             <a:fld id="{91D99814-262F-40F8-BF7C-0D9B08F3E6A2}" type="datetimeFigureOut">
               <a:rPr lang="en-US" smtClean="0"/>
-              <a:t>3/14/2021</a:t>
+              <a:t>3/19/2021</a:t>
             </a:fld>
             <a:endParaRPr lang="en-US"/>
           </a:p>
@@ -3766,10 +3767,10 @@
       </p:grpSpPr>
       <p:pic>
         <p:nvPicPr>
-          <p:cNvPr id="10" name="Picture 9">
-            <a:extLst>
-              <a:ext uri="{FF2B5EF4-FFF2-40B4-BE49-F238E27FC236}">
-                <a16:creationId xmlns:a16="http://schemas.microsoft.com/office/drawing/2014/main" id="{778419C8-7756-4DAA-89D3-B6CE149F0A05}"/>
+          <p:cNvPr id="2" name="Picture 1">
+            <a:extLst>
+              <a:ext uri="{FF2B5EF4-FFF2-40B4-BE49-F238E27FC236}">
+                <a16:creationId xmlns:a16="http://schemas.microsoft.com/office/drawing/2014/main" id="{9D211DE2-2720-4022-8A37-D5856A080FA7}"/>
               </a:ext>
             </a:extLst>
           </p:cNvPr>
@@ -3785,8 +3786,73 @@
         </p:blipFill>
         <p:spPr>
           <a:xfrm>
-            <a:off x="7953321" y="703386"/>
+            <a:off x="4282283" y="1600200"/>
             <a:ext cx="3627434" cy="3657600"/>
+          </a:xfrm>
+          <a:prstGeom prst="rect">
+            <a:avLst/>
+          </a:prstGeom>
+        </p:spPr>
+      </p:pic>
+    </p:spTree>
+    <p:extLst>
+      <p:ext uri="{BB962C8B-B14F-4D97-AF65-F5344CB8AC3E}">
+        <p14:creationId xmlns:p14="http://schemas.microsoft.com/office/powerpoint/2010/main" val="2901104712"/>
+      </p:ext>
+    </p:extLst>
+  </p:cSld>
+  <p:clrMapOvr>
+    <a:masterClrMapping/>
+  </p:clrMapOvr>
+</p:sld>
+</file>
+
+<file path=ppt/slides/slide2.xml><?xml version="1.0" encoding="utf-8"?>
+<p:sld xmlns:a="http://schemas.openxmlformats.org/drawingml/2006/main" xmlns:r="http://schemas.openxmlformats.org/officeDocument/2006/relationships" xmlns:p="http://schemas.openxmlformats.org/presentationml/2006/main">
+  <p:cSld>
+    <p:spTree>
+      <p:nvGrpSpPr>
+        <p:cNvPr id="1" name=""/>
+        <p:cNvGrpSpPr/>
+        <p:nvPr/>
+      </p:nvGrpSpPr>
+      <p:grpSpPr>
+        <a:xfrm>
+          <a:off x="0" y="0"/>
+          <a:ext cx="0" cy="0"/>
+          <a:chOff x="0" y="0"/>
+          <a:chExt cx="0" cy="0"/>
+        </a:xfrm>
+      </p:grpSpPr>
+      <p:pic>
+        <p:nvPicPr>
+          <p:cNvPr id="4" name="Picture 3">
+            <a:extLst>
+              <a:ext uri="{FF2B5EF4-FFF2-40B4-BE49-F238E27FC236}">
+                <a16:creationId xmlns:a16="http://schemas.microsoft.com/office/drawing/2014/main" id="{62AC9FAD-731E-4519-A821-B80505AE5987}"/>
+              </a:ext>
+            </a:extLst>
+          </p:cNvPr>
+          <p:cNvPicPr>
+            <a:picLocks noChangeAspect="1"/>
+          </p:cNvPicPr>
+          <p:nvPr/>
+        </p:nvPicPr>
+        <p:blipFill rotWithShape="1">
+          <a:blip r:embed="rId2">
+            <a:extLst>
+              <a:ext uri="{28A0092B-C50C-407E-A947-70E740481C1C}">
+                <a14:useLocalDpi xmlns:a14="http://schemas.microsoft.com/office/drawing/2010/main" val="0"/>
+              </a:ext>
+            </a:extLst>
+          </a:blip>
+          <a:srcRect l="3581" t="14017" r="2548" b="9765"/>
+          <a:stretch/>
+        </p:blipFill>
+        <p:spPr>
+          <a:xfrm>
+            <a:off x="0" y="-1"/>
+            <a:ext cx="3644470" cy="3674777"/>
           </a:xfrm>
           <a:prstGeom prst="rect">
             <a:avLst/>
@@ -3795,10 +3861,10 @@
       </p:pic>
       <p:pic>
         <p:nvPicPr>
-          <p:cNvPr id="4" name="Picture 3">
-            <a:extLst>
-              <a:ext uri="{FF2B5EF4-FFF2-40B4-BE49-F238E27FC236}">
-                <a16:creationId xmlns:a16="http://schemas.microsoft.com/office/drawing/2014/main" id="{62AC9FAD-731E-4519-A821-B80505AE5987}"/>
+          <p:cNvPr id="3" name="Picture 2">
+            <a:extLst>
+              <a:ext uri="{FF2B5EF4-FFF2-40B4-BE49-F238E27FC236}">
+                <a16:creationId xmlns:a16="http://schemas.microsoft.com/office/drawing/2014/main" id="{A33B46A7-513A-441E-971F-77E3498E02C6}"/>
               </a:ext>
             </a:extLst>
           </p:cNvPr>
@@ -3815,13 +3881,13 @@
               </a:ext>
             </a:extLst>
           </a:blip>
-          <a:srcRect l="3581" t="14017" r="2548" b="9765"/>
+          <a:srcRect t="6770" b="-1"/>
           <a:stretch/>
         </p:blipFill>
         <p:spPr>
           <a:xfrm>
-            <a:off x="325586" y="703386"/>
-            <a:ext cx="3627435" cy="3657600"/>
+            <a:off x="8564566" y="3183223"/>
+            <a:ext cx="3627434" cy="3674777"/>
           </a:xfrm>
           <a:prstGeom prst="rect">
             <a:avLst/>
@@ -3855,8 +3921,8 @@
         </p:blipFill>
         <p:spPr>
           <a:xfrm>
-            <a:off x="4139453" y="703386"/>
-            <a:ext cx="3627436" cy="3657600"/>
+            <a:off x="4282283" y="1600201"/>
+            <a:ext cx="3627434" cy="3657598"/>
           </a:xfrm>
           <a:prstGeom prst="rect">
             <a:avLst/>
@@ -3876,7 +3942,7 @@
 </p:sld>
 </file>
 
-<file path=ppt/slides/slide2.xml><?xml version="1.0" encoding="utf-8"?>
+<file path=ppt/slides/slide3.xml><?xml version="1.0" encoding="utf-8"?>
 <p:sld xmlns:a="http://schemas.openxmlformats.org/drawingml/2006/main" xmlns:r="http://schemas.openxmlformats.org/officeDocument/2006/relationships" xmlns:p="http://schemas.openxmlformats.org/presentationml/2006/main">
   <p:cSld>
     <p:spTree>
@@ -5024,7 +5090,7 @@
 </p:sld>
 </file>
 
-<file path=ppt/slides/slide3.xml><?xml version="1.0" encoding="utf-8"?>
+<file path=ppt/slides/slide4.xml><?xml version="1.0" encoding="utf-8"?>
 <p:sld xmlns:a="http://schemas.openxmlformats.org/drawingml/2006/main" xmlns:r="http://schemas.openxmlformats.org/officeDocument/2006/relationships" xmlns:p="http://schemas.openxmlformats.org/presentationml/2006/main">
   <p:cSld>
     <p:spTree>

--- a/images/gen.pptx
+++ b/images/gen.pptx
@@ -5,13 +5,14 @@
     <p:sldMasterId id="2147483648" r:id="rId1"/>
   </p:sldMasterIdLst>
   <p:notesMasterIdLst>
-    <p:notesMasterId r:id="rId6"/>
+    <p:notesMasterId r:id="rId7"/>
   </p:notesMasterIdLst>
   <p:sldIdLst>
     <p:sldId id="259" r:id="rId2"/>
-    <p:sldId id="256" r:id="rId3"/>
-    <p:sldId id="257" r:id="rId4"/>
-    <p:sldId id="258" r:id="rId5"/>
+    <p:sldId id="260" r:id="rId3"/>
+    <p:sldId id="256" r:id="rId4"/>
+    <p:sldId id="257" r:id="rId5"/>
+    <p:sldId id="258" r:id="rId6"/>
   </p:sldIdLst>
   <p:sldSz cx="12192000" cy="6858000"/>
   <p:notesSz cx="6858000" cy="9144000"/>
@@ -200,7 +201,7 @@
           <a:p>
             <a:fld id="{E8F89FD8-6227-442C-A623-BA311A8FCDF8}" type="datetimeFigureOut">
               <a:rPr lang="en-US" smtClean="0"/>
-              <a:t>3/19/2021</a:t>
+              <a:t>4/2/2021</a:t>
             </a:fld>
             <a:endParaRPr lang="en-US"/>
           </a:p>
@@ -532,7 +533,7 @@
           <a:p>
             <a:fld id="{98E83009-5B63-4068-AFC4-DBA55062139E}" type="slidenum">
               <a:rPr lang="en-US" smtClean="0"/>
-              <a:t>3</a:t>
+              <a:t>4</a:t>
             </a:fld>
             <a:endParaRPr lang="en-US"/>
           </a:p>
@@ -698,7 +699,7 @@
           <a:p>
             <a:fld id="{91D99814-262F-40F8-BF7C-0D9B08F3E6A2}" type="datetimeFigureOut">
               <a:rPr lang="en-US" smtClean="0"/>
-              <a:t>3/19/2021</a:t>
+              <a:t>4/2/2021</a:t>
             </a:fld>
             <a:endParaRPr lang="en-US"/>
           </a:p>
@@ -896,7 +897,7 @@
           <a:p>
             <a:fld id="{91D99814-262F-40F8-BF7C-0D9B08F3E6A2}" type="datetimeFigureOut">
               <a:rPr lang="en-US" smtClean="0"/>
-              <a:t>3/19/2021</a:t>
+              <a:t>4/2/2021</a:t>
             </a:fld>
             <a:endParaRPr lang="en-US"/>
           </a:p>
@@ -1104,7 +1105,7 @@
           <a:p>
             <a:fld id="{91D99814-262F-40F8-BF7C-0D9B08F3E6A2}" type="datetimeFigureOut">
               <a:rPr lang="en-US" smtClean="0"/>
-              <a:t>3/19/2021</a:t>
+              <a:t>4/2/2021</a:t>
             </a:fld>
             <a:endParaRPr lang="en-US"/>
           </a:p>
@@ -1302,7 +1303,7 @@
           <a:p>
             <a:fld id="{91D99814-262F-40F8-BF7C-0D9B08F3E6A2}" type="datetimeFigureOut">
               <a:rPr lang="en-US" smtClean="0"/>
-              <a:t>3/19/2021</a:t>
+              <a:t>4/2/2021</a:t>
             </a:fld>
             <a:endParaRPr lang="en-US"/>
           </a:p>
@@ -1577,7 +1578,7 @@
           <a:p>
             <a:fld id="{91D99814-262F-40F8-BF7C-0D9B08F3E6A2}" type="datetimeFigureOut">
               <a:rPr lang="en-US" smtClean="0"/>
-              <a:t>3/19/2021</a:t>
+              <a:t>4/2/2021</a:t>
             </a:fld>
             <a:endParaRPr lang="en-US"/>
           </a:p>
@@ -1842,7 +1843,7 @@
           <a:p>
             <a:fld id="{91D99814-262F-40F8-BF7C-0D9B08F3E6A2}" type="datetimeFigureOut">
               <a:rPr lang="en-US" smtClean="0"/>
-              <a:t>3/19/2021</a:t>
+              <a:t>4/2/2021</a:t>
             </a:fld>
             <a:endParaRPr lang="en-US"/>
           </a:p>
@@ -2254,7 +2255,7 @@
           <a:p>
             <a:fld id="{91D99814-262F-40F8-BF7C-0D9B08F3E6A2}" type="datetimeFigureOut">
               <a:rPr lang="en-US" smtClean="0"/>
-              <a:t>3/19/2021</a:t>
+              <a:t>4/2/2021</a:t>
             </a:fld>
             <a:endParaRPr lang="en-US"/>
           </a:p>
@@ -2395,7 +2396,7 @@
           <a:p>
             <a:fld id="{91D99814-262F-40F8-BF7C-0D9B08F3E6A2}" type="datetimeFigureOut">
               <a:rPr lang="en-US" smtClean="0"/>
-              <a:t>3/19/2021</a:t>
+              <a:t>4/2/2021</a:t>
             </a:fld>
             <a:endParaRPr lang="en-US"/>
           </a:p>
@@ -2508,7 +2509,7 @@
           <a:p>
             <a:fld id="{91D99814-262F-40F8-BF7C-0D9B08F3E6A2}" type="datetimeFigureOut">
               <a:rPr lang="en-US" smtClean="0"/>
-              <a:t>3/19/2021</a:t>
+              <a:t>4/2/2021</a:t>
             </a:fld>
             <a:endParaRPr lang="en-US"/>
           </a:p>
@@ -2819,7 +2820,7 @@
           <a:p>
             <a:fld id="{91D99814-262F-40F8-BF7C-0D9B08F3E6A2}" type="datetimeFigureOut">
               <a:rPr lang="en-US" smtClean="0"/>
-              <a:t>3/19/2021</a:t>
+              <a:t>4/2/2021</a:t>
             </a:fld>
             <a:endParaRPr lang="en-US"/>
           </a:p>
@@ -3107,7 +3108,7 @@
           <a:p>
             <a:fld id="{91D99814-262F-40F8-BF7C-0D9B08F3E6A2}" type="datetimeFigureOut">
               <a:rPr lang="en-US" smtClean="0"/>
-              <a:t>3/19/2021</a:t>
+              <a:t>4/2/2021</a:t>
             </a:fld>
             <a:endParaRPr lang="en-US"/>
           </a:p>
@@ -3348,7 +3349,7 @@
           <a:p>
             <a:fld id="{91D99814-262F-40F8-BF7C-0D9B08F3E6A2}" type="datetimeFigureOut">
               <a:rPr lang="en-US" smtClean="0"/>
-              <a:t>3/19/2021</a:t>
+              <a:t>4/2/2021</a:t>
             </a:fld>
             <a:endParaRPr lang="en-US"/>
           </a:p>
@@ -3786,8 +3787,43 @@
         </p:blipFill>
         <p:spPr>
           <a:xfrm>
-            <a:off x="4282283" y="1600200"/>
+            <a:off x="834546" y="1600200"/>
             <a:ext cx="3627434" cy="3657600"/>
+          </a:xfrm>
+          <a:prstGeom prst="rect">
+            <a:avLst/>
+          </a:prstGeom>
+        </p:spPr>
+      </p:pic>
+      <p:pic>
+        <p:nvPicPr>
+          <p:cNvPr id="4" name="Picture 3">
+            <a:extLst>
+              <a:ext uri="{FF2B5EF4-FFF2-40B4-BE49-F238E27FC236}">
+                <a16:creationId xmlns:a16="http://schemas.microsoft.com/office/drawing/2014/main" id="{1C7DEAA0-9C8D-46A4-9709-113A8F39E53B}"/>
+              </a:ext>
+            </a:extLst>
+          </p:cNvPr>
+          <p:cNvPicPr>
+            <a:picLocks noChangeAspect="1"/>
+          </p:cNvPicPr>
+          <p:nvPr/>
+        </p:nvPicPr>
+        <p:blipFill rotWithShape="1">
+          <a:blip r:embed="rId3">
+            <a:extLst>
+              <a:ext uri="{28A0092B-C50C-407E-A947-70E740481C1C}">
+                <a14:useLocalDpi xmlns:a14="http://schemas.microsoft.com/office/drawing/2010/main" val="0"/>
+              </a:ext>
+            </a:extLst>
+          </a:blip>
+          <a:srcRect l="19945" t="20055" r="19945" b="19891"/>
+          <a:stretch/>
+        </p:blipFill>
+        <p:spPr>
+          <a:xfrm>
+            <a:off x="5189095" y="1139253"/>
+            <a:ext cx="4122295" cy="4118547"/>
           </a:xfrm>
           <a:prstGeom prst="rect">
             <a:avLst/>
@@ -3808,6 +3844,170 @@
 </file>
 
 <file path=ppt/slides/slide2.xml><?xml version="1.0" encoding="utf-8"?>
+<p:sld xmlns:a="http://schemas.openxmlformats.org/drawingml/2006/main" xmlns:r="http://schemas.openxmlformats.org/officeDocument/2006/relationships" xmlns:p="http://schemas.openxmlformats.org/presentationml/2006/main">
+  <p:cSld>
+    <p:bg>
+      <p:bgPr>
+        <a:solidFill>
+          <a:srgbClr val="171717"/>
+        </a:solidFill>
+        <a:effectLst/>
+      </p:bgPr>
+    </p:bg>
+    <p:spTree>
+      <p:nvGrpSpPr>
+        <p:cNvPr id="1" name=""/>
+        <p:cNvGrpSpPr/>
+        <p:nvPr/>
+      </p:nvGrpSpPr>
+      <p:grpSpPr>
+        <a:xfrm>
+          <a:off x="0" y="0"/>
+          <a:ext cx="0" cy="0"/>
+          <a:chOff x="0" y="0"/>
+          <a:chExt cx="0" cy="0"/>
+        </a:xfrm>
+      </p:grpSpPr>
+      <p:grpSp>
+        <p:nvGrpSpPr>
+          <p:cNvPr id="4" name="Group 3">
+            <a:extLst>
+              <a:ext uri="{FF2B5EF4-FFF2-40B4-BE49-F238E27FC236}">
+                <a16:creationId xmlns:a16="http://schemas.microsoft.com/office/drawing/2014/main" id="{6AF606C7-D03C-45B1-A3C1-EB006E97A431}"/>
+              </a:ext>
+            </a:extLst>
+          </p:cNvPr>
+          <p:cNvGrpSpPr/>
+          <p:nvPr/>
+        </p:nvGrpSpPr>
+        <p:grpSpPr>
+          <a:xfrm>
+            <a:off x="3332262" y="813082"/>
+            <a:ext cx="5527475" cy="4386838"/>
+            <a:chOff x="3332261" y="667609"/>
+            <a:chExt cx="5527475" cy="4386838"/>
+          </a:xfrm>
+        </p:grpSpPr>
+        <p:pic>
+          <p:nvPicPr>
+            <p:cNvPr id="2" name="Picture 1">
+              <a:extLst>
+                <a:ext uri="{FF2B5EF4-FFF2-40B4-BE49-F238E27FC236}">
+                  <a16:creationId xmlns:a16="http://schemas.microsoft.com/office/drawing/2014/main" id="{5A1D05B1-A72C-447C-8590-74EE86AE8D84}"/>
+                </a:ext>
+              </a:extLst>
+            </p:cNvPr>
+            <p:cNvPicPr>
+              <a:picLocks noChangeAspect="1"/>
+            </p:cNvPicPr>
+            <p:nvPr/>
+          </p:nvPicPr>
+          <p:blipFill rotWithShape="1">
+            <a:blip r:embed="rId2">
+              <a:extLst>
+                <a:ext uri="{28A0092B-C50C-407E-A947-70E740481C1C}">
+                  <a14:useLocalDpi xmlns:a14="http://schemas.microsoft.com/office/drawing/2010/main" val="0"/>
+                </a:ext>
+              </a:extLst>
+            </a:blip>
+            <a:srcRect l="19945" t="20055" r="19945" b="19891"/>
+            <a:stretch/>
+          </p:blipFill>
+          <p:spPr>
+            <a:xfrm>
+              <a:off x="4034850" y="667609"/>
+              <a:ext cx="4122295" cy="4118547"/>
+            </a:xfrm>
+            <a:prstGeom prst="rect">
+              <a:avLst/>
+            </a:prstGeom>
+          </p:spPr>
+        </p:pic>
+        <p:sp>
+          <p:nvSpPr>
+            <p:cNvPr id="3" name="Rectangle 2">
+              <a:extLst>
+                <a:ext uri="{FF2B5EF4-FFF2-40B4-BE49-F238E27FC236}">
+                  <a16:creationId xmlns:a16="http://schemas.microsoft.com/office/drawing/2014/main" id="{1DED741C-1A3C-42A8-89DF-332EFFC8119E}"/>
+                </a:ext>
+              </a:extLst>
+            </p:cNvPr>
+            <p:cNvSpPr/>
+            <p:nvPr/>
+          </p:nvSpPr>
+          <p:spPr>
+            <a:xfrm>
+              <a:off x="3332261" y="4131117"/>
+              <a:ext cx="5527475" cy="923330"/>
+            </a:xfrm>
+            <a:prstGeom prst="rect">
+              <a:avLst/>
+            </a:prstGeom>
+            <a:noFill/>
+          </p:spPr>
+          <p:txBody>
+            <a:bodyPr wrap="none" lIns="91440" tIns="45720" rIns="91440" bIns="45720">
+              <a:spAutoFit/>
+            </a:bodyPr>
+            <a:lstStyle/>
+            <a:p>
+              <a:pPr algn="ctr"/>
+              <a:r>
+                <a:rPr lang="en-US" sz="5400" b="0" cap="none" spc="0" dirty="0">
+                  <a:ln w="0"/>
+                  <a:solidFill>
+                    <a:srgbClr val="D0D0D0"/>
+                  </a:solidFill>
+                  <a:latin typeface="EntitledJNL" panose="00000400000000000000" pitchFamily="2" charset="0"/>
+                  <a:ea typeface="Yu Gothic" panose="020B0400000000000000" pitchFamily="34" charset="-128"/>
+                  <a:cs typeface="Arial" panose="020B0604020202020204" pitchFamily="34" charset="0"/>
+                </a:rPr>
+                <a:t>Your </a:t>
+              </a:r>
+              <a:r>
+                <a:rPr lang="en-US" sz="5400" b="0" cap="none" spc="0" dirty="0">
+                  <a:ln w="0"/>
+                  <a:solidFill>
+                    <a:schemeClr val="bg1">
+                      <a:lumMod val="65000"/>
+                    </a:schemeClr>
+                  </a:solidFill>
+                  <a:latin typeface="EntitledJNL" panose="00000400000000000000" pitchFamily="2" charset="0"/>
+                  <a:ea typeface="Yu Gothic" panose="020B0400000000000000" pitchFamily="34" charset="-128"/>
+                  <a:cs typeface="Arial" panose="020B0604020202020204" pitchFamily="34" charset="0"/>
+                </a:rPr>
+                <a:t>Coding</a:t>
+              </a:r>
+              <a:r>
+                <a:rPr lang="en-US" sz="5400" b="0" cap="none" spc="0" dirty="0">
+                  <a:ln w="0"/>
+                  <a:solidFill>
+                    <a:srgbClr val="D0D0D0"/>
+                  </a:solidFill>
+                  <a:latin typeface="EntitledJNL" panose="00000400000000000000" pitchFamily="2" charset="0"/>
+                  <a:ea typeface="Yu Gothic" panose="020B0400000000000000" pitchFamily="34" charset="-128"/>
+                  <a:cs typeface="Arial" panose="020B0604020202020204" pitchFamily="34" charset="0"/>
+                </a:rPr>
+                <a:t> mentor</a:t>
+              </a:r>
+            </a:p>
+          </p:txBody>
+        </p:sp>
+      </p:grpSp>
+    </p:spTree>
+    <p:extLst>
+      <p:ext uri="{BB962C8B-B14F-4D97-AF65-F5344CB8AC3E}">
+        <p14:creationId xmlns:p14="http://schemas.microsoft.com/office/powerpoint/2010/main" val="2741450565"/>
+      </p:ext>
+    </p:extLst>
+  </p:cSld>
+  <p:clrMapOvr>
+    <a:masterClrMapping/>
+  </p:clrMapOvr>
+</p:sld>
+</file>
+
+<file path=ppt/slides/slide3.xml><?xml version="1.0" encoding="utf-8"?>
 <p:sld xmlns:a="http://schemas.openxmlformats.org/drawingml/2006/main" xmlns:r="http://schemas.openxmlformats.org/officeDocument/2006/relationships" xmlns:p="http://schemas.openxmlformats.org/presentationml/2006/main">
   <p:cSld>
     <p:spTree>
@@ -3942,7 +4142,7 @@
 </p:sld>
 </file>
 
-<file path=ppt/slides/slide3.xml><?xml version="1.0" encoding="utf-8"?>
+<file path=ppt/slides/slide4.xml><?xml version="1.0" encoding="utf-8"?>
 <p:sld xmlns:a="http://schemas.openxmlformats.org/drawingml/2006/main" xmlns:r="http://schemas.openxmlformats.org/officeDocument/2006/relationships" xmlns:p="http://schemas.openxmlformats.org/presentationml/2006/main">
   <p:cSld>
     <p:spTree>
@@ -5090,7 +5290,7 @@
 </p:sld>
 </file>
 
-<file path=ppt/slides/slide4.xml><?xml version="1.0" encoding="utf-8"?>
+<file path=ppt/slides/slide5.xml><?xml version="1.0" encoding="utf-8"?>
 <p:sld xmlns:a="http://schemas.openxmlformats.org/drawingml/2006/main" xmlns:r="http://schemas.openxmlformats.org/officeDocument/2006/relationships" xmlns:p="http://schemas.openxmlformats.org/presentationml/2006/main">
   <p:cSld>
     <p:spTree>

--- a/images/gen.pptx
+++ b/images/gen.pptx
@@ -201,7 +201,7 @@
           <a:p>
             <a:fld id="{E8F89FD8-6227-442C-A623-BA311A8FCDF8}" type="datetimeFigureOut">
               <a:rPr lang="en-US" smtClean="0"/>
-              <a:t>4/2/2021</a:t>
+              <a:t>4/22/2021</a:t>
             </a:fld>
             <a:endParaRPr lang="en-US"/>
           </a:p>
@@ -699,7 +699,7 @@
           <a:p>
             <a:fld id="{91D99814-262F-40F8-BF7C-0D9B08F3E6A2}" type="datetimeFigureOut">
               <a:rPr lang="en-US" smtClean="0"/>
-              <a:t>4/2/2021</a:t>
+              <a:t>4/22/2021</a:t>
             </a:fld>
             <a:endParaRPr lang="en-US"/>
           </a:p>
@@ -897,7 +897,7 @@
           <a:p>
             <a:fld id="{91D99814-262F-40F8-BF7C-0D9B08F3E6A2}" type="datetimeFigureOut">
               <a:rPr lang="en-US" smtClean="0"/>
-              <a:t>4/2/2021</a:t>
+              <a:t>4/22/2021</a:t>
             </a:fld>
             <a:endParaRPr lang="en-US"/>
           </a:p>
@@ -1105,7 +1105,7 @@
           <a:p>
             <a:fld id="{91D99814-262F-40F8-BF7C-0D9B08F3E6A2}" type="datetimeFigureOut">
               <a:rPr lang="en-US" smtClean="0"/>
-              <a:t>4/2/2021</a:t>
+              <a:t>4/22/2021</a:t>
             </a:fld>
             <a:endParaRPr lang="en-US"/>
           </a:p>
@@ -1303,7 +1303,7 @@
           <a:p>
             <a:fld id="{91D99814-262F-40F8-BF7C-0D9B08F3E6A2}" type="datetimeFigureOut">
               <a:rPr lang="en-US" smtClean="0"/>
-              <a:t>4/2/2021</a:t>
+              <a:t>4/22/2021</a:t>
             </a:fld>
             <a:endParaRPr lang="en-US"/>
           </a:p>
@@ -1578,7 +1578,7 @@
           <a:p>
             <a:fld id="{91D99814-262F-40F8-BF7C-0D9B08F3E6A2}" type="datetimeFigureOut">
               <a:rPr lang="en-US" smtClean="0"/>
-              <a:t>4/2/2021</a:t>
+              <a:t>4/22/2021</a:t>
             </a:fld>
             <a:endParaRPr lang="en-US"/>
           </a:p>
@@ -1843,7 +1843,7 @@
           <a:p>
             <a:fld id="{91D99814-262F-40F8-BF7C-0D9B08F3E6A2}" type="datetimeFigureOut">
               <a:rPr lang="en-US" smtClean="0"/>
-              <a:t>4/2/2021</a:t>
+              <a:t>4/22/2021</a:t>
             </a:fld>
             <a:endParaRPr lang="en-US"/>
           </a:p>
@@ -2255,7 +2255,7 @@
           <a:p>
             <a:fld id="{91D99814-262F-40F8-BF7C-0D9B08F3E6A2}" type="datetimeFigureOut">
               <a:rPr lang="en-US" smtClean="0"/>
-              <a:t>4/2/2021</a:t>
+              <a:t>4/22/2021</a:t>
             </a:fld>
             <a:endParaRPr lang="en-US"/>
           </a:p>
@@ -2396,7 +2396,7 @@
           <a:p>
             <a:fld id="{91D99814-262F-40F8-BF7C-0D9B08F3E6A2}" type="datetimeFigureOut">
               <a:rPr lang="en-US" smtClean="0"/>
-              <a:t>4/2/2021</a:t>
+              <a:t>4/22/2021</a:t>
             </a:fld>
             <a:endParaRPr lang="en-US"/>
           </a:p>
@@ -2509,7 +2509,7 @@
           <a:p>
             <a:fld id="{91D99814-262F-40F8-BF7C-0D9B08F3E6A2}" type="datetimeFigureOut">
               <a:rPr lang="en-US" smtClean="0"/>
-              <a:t>4/2/2021</a:t>
+              <a:t>4/22/2021</a:t>
             </a:fld>
             <a:endParaRPr lang="en-US"/>
           </a:p>
@@ -2820,7 +2820,7 @@
           <a:p>
             <a:fld id="{91D99814-262F-40F8-BF7C-0D9B08F3E6A2}" type="datetimeFigureOut">
               <a:rPr lang="en-US" smtClean="0"/>
-              <a:t>4/2/2021</a:t>
+              <a:t>4/22/2021</a:t>
             </a:fld>
             <a:endParaRPr lang="en-US"/>
           </a:p>
@@ -3108,7 +3108,7 @@
           <a:p>
             <a:fld id="{91D99814-262F-40F8-BF7C-0D9B08F3E6A2}" type="datetimeFigureOut">
               <a:rPr lang="en-US" smtClean="0"/>
-              <a:t>4/2/2021</a:t>
+              <a:t>4/22/2021</a:t>
             </a:fld>
             <a:endParaRPr lang="en-US"/>
           </a:p>
@@ -3349,7 +3349,7 @@
           <a:p>
             <a:fld id="{91D99814-262F-40F8-BF7C-0D9B08F3E6A2}" type="datetimeFigureOut">
               <a:rPr lang="en-US" smtClean="0"/>
-              <a:t>4/2/2021</a:t>
+              <a:t>4/22/2021</a:t>
             </a:fld>
             <a:endParaRPr lang="en-US"/>
           </a:p>
@@ -4129,6 +4129,41 @@
           </a:prstGeom>
         </p:spPr>
       </p:pic>
+      <p:pic>
+        <p:nvPicPr>
+          <p:cNvPr id="5" name="Picture 4">
+            <a:extLst>
+              <a:ext uri="{FF2B5EF4-FFF2-40B4-BE49-F238E27FC236}">
+                <a16:creationId xmlns:a16="http://schemas.microsoft.com/office/drawing/2014/main" id="{3F855833-AD04-460D-8D39-E797F2577646}"/>
+              </a:ext>
+            </a:extLst>
+          </p:cNvPr>
+          <p:cNvPicPr>
+            <a:picLocks noChangeAspect="1"/>
+          </p:cNvPicPr>
+          <p:nvPr/>
+        </p:nvPicPr>
+        <p:blipFill rotWithShape="1">
+          <a:blip r:embed="rId5">
+            <a:extLst>
+              <a:ext uri="{28A0092B-C50C-407E-A947-70E740481C1C}">
+                <a14:useLocalDpi xmlns:a14="http://schemas.microsoft.com/office/drawing/2010/main" val="0"/>
+              </a:ext>
+            </a:extLst>
+          </a:blip>
+          <a:srcRect l="13689" t="3899" r="39444" b="51589"/>
+          <a:stretch/>
+        </p:blipFill>
+        <p:spPr>
+          <a:xfrm>
+            <a:off x="1482812" y="1164101"/>
+            <a:ext cx="3644470" cy="3657599"/>
+          </a:xfrm>
+          <a:prstGeom prst="rect">
+            <a:avLst/>
+          </a:prstGeom>
+        </p:spPr>
+      </p:pic>
     </p:spTree>
     <p:extLst>
       <p:ext uri="{BB962C8B-B14F-4D97-AF65-F5344CB8AC3E}">
@@ -4159,167 +4194,12 @@
           <a:chExt cx="0" cy="0"/>
         </a:xfrm>
       </p:grpSpPr>
-      <p:sp>
-        <p:nvSpPr>
-          <p:cNvPr id="52" name="Oval 51">
-            <a:extLst>
-              <a:ext uri="{FF2B5EF4-FFF2-40B4-BE49-F238E27FC236}">
-                <a16:creationId xmlns:a16="http://schemas.microsoft.com/office/drawing/2014/main" id="{D6E465B5-ABD2-4199-BC93-31A2476A39A1}"/>
-              </a:ext>
-            </a:extLst>
-          </p:cNvPr>
-          <p:cNvSpPr/>
-          <p:nvPr/>
-        </p:nvSpPr>
-        <p:spPr>
-          <a:xfrm>
-            <a:off x="321042" y="587363"/>
-            <a:ext cx="5808495" cy="5856625"/>
-          </a:xfrm>
-          <a:custGeom>
-            <a:avLst/>
-            <a:gdLst>
-              <a:gd name="connsiteX0" fmla="*/ 0 w 5747142"/>
-              <a:gd name="connsiteY0" fmla="*/ 2873571 h 5747142"/>
-              <a:gd name="connsiteX1" fmla="*/ 2873571 w 5747142"/>
-              <a:gd name="connsiteY1" fmla="*/ 0 h 5747142"/>
-              <a:gd name="connsiteX2" fmla="*/ 5747142 w 5747142"/>
-              <a:gd name="connsiteY2" fmla="*/ 2873571 h 5747142"/>
-              <a:gd name="connsiteX3" fmla="*/ 2873571 w 5747142"/>
-              <a:gd name="connsiteY3" fmla="*/ 5747142 h 5747142"/>
-              <a:gd name="connsiteX4" fmla="*/ 0 w 5747142"/>
-              <a:gd name="connsiteY4" fmla="*/ 2873571 h 5747142"/>
-              <a:gd name="connsiteX0" fmla="*/ 22180 w 5769322"/>
-              <a:gd name="connsiteY0" fmla="*/ 2859717 h 5733288"/>
-              <a:gd name="connsiteX1" fmla="*/ 2022915 w 5769322"/>
-              <a:gd name="connsiteY1" fmla="*/ 0 h 5733288"/>
-              <a:gd name="connsiteX2" fmla="*/ 5769322 w 5769322"/>
-              <a:gd name="connsiteY2" fmla="*/ 2859717 h 5733288"/>
-              <a:gd name="connsiteX3" fmla="*/ 2895751 w 5769322"/>
-              <a:gd name="connsiteY3" fmla="*/ 5733288 h 5733288"/>
-              <a:gd name="connsiteX4" fmla="*/ 22180 w 5769322"/>
-              <a:gd name="connsiteY4" fmla="*/ 2859717 h 5733288"/>
-              <a:gd name="connsiteX0" fmla="*/ 140533 w 5887675"/>
-              <a:gd name="connsiteY0" fmla="*/ 2970554 h 5844125"/>
-              <a:gd name="connsiteX1" fmla="*/ 1420832 w 5887675"/>
-              <a:gd name="connsiteY1" fmla="*/ 0 h 5844125"/>
-              <a:gd name="connsiteX2" fmla="*/ 5887675 w 5887675"/>
-              <a:gd name="connsiteY2" fmla="*/ 2970554 h 5844125"/>
-              <a:gd name="connsiteX3" fmla="*/ 3014104 w 5887675"/>
-              <a:gd name="connsiteY3" fmla="*/ 5844125 h 5844125"/>
-              <a:gd name="connsiteX4" fmla="*/ 140533 w 5887675"/>
-              <a:gd name="connsiteY4" fmla="*/ 2970554 h 5844125"/>
-              <a:gd name="connsiteX0" fmla="*/ 44359 w 5808495"/>
-              <a:gd name="connsiteY0" fmla="*/ 2983054 h 5856625"/>
-              <a:gd name="connsiteX1" fmla="*/ 1324658 w 5808495"/>
-              <a:gd name="connsiteY1" fmla="*/ 12500 h 5856625"/>
-              <a:gd name="connsiteX2" fmla="*/ 3377477 w 5808495"/>
-              <a:gd name="connsiteY2" fmla="*/ 1959714 h 5856625"/>
-              <a:gd name="connsiteX3" fmla="*/ 5791501 w 5808495"/>
-              <a:gd name="connsiteY3" fmla="*/ 2983054 h 5856625"/>
-              <a:gd name="connsiteX4" fmla="*/ 2917930 w 5808495"/>
-              <a:gd name="connsiteY4" fmla="*/ 5856625 h 5856625"/>
-              <a:gd name="connsiteX5" fmla="*/ 44359 w 5808495"/>
-              <a:gd name="connsiteY5" fmla="*/ 2983054 h 5856625"/>
-            </a:gdLst>
-            <a:ahLst/>
-            <a:cxnLst>
-              <a:cxn ang="0">
-                <a:pos x="connsiteX0" y="connsiteY0"/>
-              </a:cxn>
-              <a:cxn ang="0">
-                <a:pos x="connsiteX1" y="connsiteY1"/>
-              </a:cxn>
-              <a:cxn ang="0">
-                <a:pos x="connsiteX2" y="connsiteY2"/>
-              </a:cxn>
-              <a:cxn ang="0">
-                <a:pos x="connsiteX3" y="connsiteY3"/>
-              </a:cxn>
-              <a:cxn ang="0">
-                <a:pos x="connsiteX4" y="connsiteY4"/>
-              </a:cxn>
-              <a:cxn ang="0">
-                <a:pos x="connsiteX5" y="connsiteY5"/>
-              </a:cxn>
-            </a:cxnLst>
-            <a:rect l="l" t="t" r="r" b="b"/>
-            <a:pathLst>
-              <a:path w="5808495" h="5856625">
-                <a:moveTo>
-                  <a:pt x="44359" y="2983054"/>
-                </a:moveTo>
-                <a:cubicBezTo>
-                  <a:pt x="-221186" y="2009033"/>
-                  <a:pt x="769138" y="183057"/>
-                  <a:pt x="1324658" y="12500"/>
-                </a:cubicBezTo>
-                <a:cubicBezTo>
-                  <a:pt x="1880178" y="-158057"/>
-                  <a:pt x="2633003" y="1464622"/>
-                  <a:pt x="3377477" y="1959714"/>
-                </a:cubicBezTo>
-                <a:cubicBezTo>
-                  <a:pt x="4121951" y="2454806"/>
-                  <a:pt x="6006637" y="2165005"/>
-                  <a:pt x="5791501" y="2983054"/>
-                </a:cubicBezTo>
-                <a:cubicBezTo>
-                  <a:pt x="5576365" y="3801103"/>
-                  <a:pt x="4504959" y="5856625"/>
-                  <a:pt x="2917930" y="5856625"/>
-                </a:cubicBezTo>
-                <a:cubicBezTo>
-                  <a:pt x="1330901" y="5856625"/>
-                  <a:pt x="309904" y="3957075"/>
-                  <a:pt x="44359" y="2983054"/>
-                </a:cubicBezTo>
-                <a:close/>
-              </a:path>
-            </a:pathLst>
-          </a:custGeom>
-          <a:solidFill>
-            <a:srgbClr val="5FBE88">
-              <a:alpha val="14000"/>
-            </a:srgbClr>
-          </a:solidFill>
-          <a:ln>
-            <a:noFill/>
-          </a:ln>
-        </p:spPr>
-        <p:style>
-          <a:lnRef idx="2">
-            <a:schemeClr val="accent1">
-              <a:shade val="50000"/>
-            </a:schemeClr>
-          </a:lnRef>
-          <a:fillRef idx="1">
-            <a:schemeClr val="accent1"/>
-          </a:fillRef>
-          <a:effectRef idx="0">
-            <a:schemeClr val="accent1"/>
-          </a:effectRef>
-          <a:fontRef idx="minor">
-            <a:schemeClr val="lt1"/>
-          </a:fontRef>
-        </p:style>
-        <p:txBody>
-          <a:bodyPr rtlCol="0" anchor="ctr"/>
-          <a:lstStyle/>
-          <a:p>
-            <a:pPr algn="ctr"/>
-            <a:endParaRPr lang="en-US" dirty="0">
-              <a:latin typeface="+mj-lt"/>
-            </a:endParaRPr>
-          </a:p>
-        </p:txBody>
-      </p:sp>
       <p:grpSp>
         <p:nvGrpSpPr>
-          <p:cNvPr id="51" name="Group 50">
-            <a:extLst>
-              <a:ext uri="{FF2B5EF4-FFF2-40B4-BE49-F238E27FC236}">
-                <a16:creationId xmlns:a16="http://schemas.microsoft.com/office/drawing/2014/main" id="{2F4AFF95-FFC6-499F-8129-5F071F5DD032}"/>
+          <p:cNvPr id="14" name="Group 13">
+            <a:extLst>
+              <a:ext uri="{FF2B5EF4-FFF2-40B4-BE49-F238E27FC236}">
+                <a16:creationId xmlns:a16="http://schemas.microsoft.com/office/drawing/2014/main" id="{FDEB7DCC-2B9A-4C12-842E-347A7534F74C}"/>
               </a:ext>
             </a:extLst>
           </p:cNvPr>
@@ -4328,12 +4208,167 @@
         </p:nvGrpSpPr>
         <p:grpSpPr>
           <a:xfrm>
-            <a:off x="91832" y="390342"/>
-            <a:ext cx="12192000" cy="5880295"/>
-            <a:chOff x="91832" y="390342"/>
-            <a:chExt cx="12192000" cy="5880295"/>
+            <a:off x="91832" y="2696"/>
+            <a:ext cx="12192000" cy="5880296"/>
+            <a:chOff x="91832" y="240440"/>
+            <a:chExt cx="12192000" cy="5880296"/>
           </a:xfrm>
         </p:grpSpPr>
+        <p:sp>
+          <p:nvSpPr>
+            <p:cNvPr id="52" name="Oval 51">
+              <a:extLst>
+                <a:ext uri="{FF2B5EF4-FFF2-40B4-BE49-F238E27FC236}">
+                  <a16:creationId xmlns:a16="http://schemas.microsoft.com/office/drawing/2014/main" id="{D6E465B5-ABD2-4199-BC93-31A2476A39A1}"/>
+                </a:ext>
+              </a:extLst>
+            </p:cNvPr>
+            <p:cNvSpPr/>
+            <p:nvPr/>
+          </p:nvSpPr>
+          <p:spPr>
+            <a:xfrm>
+              <a:off x="321042" y="587364"/>
+              <a:ext cx="6136122" cy="5533372"/>
+            </a:xfrm>
+            <a:custGeom>
+              <a:avLst/>
+              <a:gdLst>
+                <a:gd name="connsiteX0" fmla="*/ 0 w 5747142"/>
+                <a:gd name="connsiteY0" fmla="*/ 2873571 h 5747142"/>
+                <a:gd name="connsiteX1" fmla="*/ 2873571 w 5747142"/>
+                <a:gd name="connsiteY1" fmla="*/ 0 h 5747142"/>
+                <a:gd name="connsiteX2" fmla="*/ 5747142 w 5747142"/>
+                <a:gd name="connsiteY2" fmla="*/ 2873571 h 5747142"/>
+                <a:gd name="connsiteX3" fmla="*/ 2873571 w 5747142"/>
+                <a:gd name="connsiteY3" fmla="*/ 5747142 h 5747142"/>
+                <a:gd name="connsiteX4" fmla="*/ 0 w 5747142"/>
+                <a:gd name="connsiteY4" fmla="*/ 2873571 h 5747142"/>
+                <a:gd name="connsiteX0" fmla="*/ 22180 w 5769322"/>
+                <a:gd name="connsiteY0" fmla="*/ 2859717 h 5733288"/>
+                <a:gd name="connsiteX1" fmla="*/ 2022915 w 5769322"/>
+                <a:gd name="connsiteY1" fmla="*/ 0 h 5733288"/>
+                <a:gd name="connsiteX2" fmla="*/ 5769322 w 5769322"/>
+                <a:gd name="connsiteY2" fmla="*/ 2859717 h 5733288"/>
+                <a:gd name="connsiteX3" fmla="*/ 2895751 w 5769322"/>
+                <a:gd name="connsiteY3" fmla="*/ 5733288 h 5733288"/>
+                <a:gd name="connsiteX4" fmla="*/ 22180 w 5769322"/>
+                <a:gd name="connsiteY4" fmla="*/ 2859717 h 5733288"/>
+                <a:gd name="connsiteX0" fmla="*/ 140533 w 5887675"/>
+                <a:gd name="connsiteY0" fmla="*/ 2970554 h 5844125"/>
+                <a:gd name="connsiteX1" fmla="*/ 1420832 w 5887675"/>
+                <a:gd name="connsiteY1" fmla="*/ 0 h 5844125"/>
+                <a:gd name="connsiteX2" fmla="*/ 5887675 w 5887675"/>
+                <a:gd name="connsiteY2" fmla="*/ 2970554 h 5844125"/>
+                <a:gd name="connsiteX3" fmla="*/ 3014104 w 5887675"/>
+                <a:gd name="connsiteY3" fmla="*/ 5844125 h 5844125"/>
+                <a:gd name="connsiteX4" fmla="*/ 140533 w 5887675"/>
+                <a:gd name="connsiteY4" fmla="*/ 2970554 h 5844125"/>
+                <a:gd name="connsiteX0" fmla="*/ 44359 w 5808495"/>
+                <a:gd name="connsiteY0" fmla="*/ 2983054 h 5856625"/>
+                <a:gd name="connsiteX1" fmla="*/ 1324658 w 5808495"/>
+                <a:gd name="connsiteY1" fmla="*/ 12500 h 5856625"/>
+                <a:gd name="connsiteX2" fmla="*/ 3377477 w 5808495"/>
+                <a:gd name="connsiteY2" fmla="*/ 1959714 h 5856625"/>
+                <a:gd name="connsiteX3" fmla="*/ 5791501 w 5808495"/>
+                <a:gd name="connsiteY3" fmla="*/ 2983054 h 5856625"/>
+                <a:gd name="connsiteX4" fmla="*/ 2917930 w 5808495"/>
+                <a:gd name="connsiteY4" fmla="*/ 5856625 h 5856625"/>
+                <a:gd name="connsiteX5" fmla="*/ 44359 w 5808495"/>
+                <a:gd name="connsiteY5" fmla="*/ 2983054 h 5856625"/>
+              </a:gdLst>
+              <a:ahLst/>
+              <a:cxnLst>
+                <a:cxn ang="0">
+                  <a:pos x="connsiteX0" y="connsiteY0"/>
+                </a:cxn>
+                <a:cxn ang="0">
+                  <a:pos x="connsiteX1" y="connsiteY1"/>
+                </a:cxn>
+                <a:cxn ang="0">
+                  <a:pos x="connsiteX2" y="connsiteY2"/>
+                </a:cxn>
+                <a:cxn ang="0">
+                  <a:pos x="connsiteX3" y="connsiteY3"/>
+                </a:cxn>
+                <a:cxn ang="0">
+                  <a:pos x="connsiteX4" y="connsiteY4"/>
+                </a:cxn>
+                <a:cxn ang="0">
+                  <a:pos x="connsiteX5" y="connsiteY5"/>
+                </a:cxn>
+              </a:cxnLst>
+              <a:rect l="l" t="t" r="r" b="b"/>
+              <a:pathLst>
+                <a:path w="5808495" h="5856625">
+                  <a:moveTo>
+                    <a:pt x="44359" y="2983054"/>
+                  </a:moveTo>
+                  <a:cubicBezTo>
+                    <a:pt x="-221186" y="2009033"/>
+                    <a:pt x="769138" y="183057"/>
+                    <a:pt x="1324658" y="12500"/>
+                  </a:cubicBezTo>
+                  <a:cubicBezTo>
+                    <a:pt x="1880178" y="-158057"/>
+                    <a:pt x="2633003" y="1464622"/>
+                    <a:pt x="3377477" y="1959714"/>
+                  </a:cubicBezTo>
+                  <a:cubicBezTo>
+                    <a:pt x="4121951" y="2454806"/>
+                    <a:pt x="6006637" y="2165005"/>
+                    <a:pt x="5791501" y="2983054"/>
+                  </a:cubicBezTo>
+                  <a:cubicBezTo>
+                    <a:pt x="5576365" y="3801103"/>
+                    <a:pt x="4504959" y="5856625"/>
+                    <a:pt x="2917930" y="5856625"/>
+                  </a:cubicBezTo>
+                  <a:cubicBezTo>
+                    <a:pt x="1330901" y="5856625"/>
+                    <a:pt x="309904" y="3957075"/>
+                    <a:pt x="44359" y="2983054"/>
+                  </a:cubicBezTo>
+                  <a:close/>
+                </a:path>
+              </a:pathLst>
+            </a:custGeom>
+            <a:solidFill>
+              <a:srgbClr val="5FBE88">
+                <a:alpha val="14000"/>
+              </a:srgbClr>
+            </a:solidFill>
+            <a:ln>
+              <a:noFill/>
+            </a:ln>
+          </p:spPr>
+          <p:style>
+            <a:lnRef idx="2">
+              <a:schemeClr val="accent1">
+                <a:shade val="50000"/>
+              </a:schemeClr>
+            </a:lnRef>
+            <a:fillRef idx="1">
+              <a:schemeClr val="accent1"/>
+            </a:fillRef>
+            <a:effectRef idx="0">
+              <a:schemeClr val="accent1"/>
+            </a:effectRef>
+            <a:fontRef idx="minor">
+              <a:schemeClr val="lt1"/>
+            </a:fontRef>
+          </p:style>
+          <p:txBody>
+            <a:bodyPr rtlCol="0" anchor="ctr"/>
+            <a:lstStyle/>
+            <a:p>
+              <a:pPr algn="ctr"/>
+              <a:endParaRPr lang="en-US" dirty="0">
+                <a:latin typeface="+mj-lt"/>
+              </a:endParaRPr>
+            </a:p>
+          </p:txBody>
+        </p:sp>
         <p:sp>
           <p:nvSpPr>
             <p:cNvPr id="4" name="Rectangle 3">
@@ -4348,7 +4383,7 @@
           </p:nvSpPr>
           <p:spPr>
             <a:xfrm>
-              <a:off x="91832" y="390342"/>
+              <a:off x="91832" y="240440"/>
               <a:ext cx="12192000" cy="5880295"/>
             </a:xfrm>
             <a:prstGeom prst="rect">
@@ -4380,7 +4415,7 @@
             <a:lstStyle/>
             <a:p>
               <a:pPr algn="ctr"/>
-              <a:endParaRPr lang="en-US" dirty="0"/>
+              <a:endParaRPr lang="en-US" u="sng" dirty="0"/>
             </a:p>
           </p:txBody>
         </p:sp>
@@ -4398,7 +4433,7 @@
           </p:nvSpPr>
           <p:spPr>
             <a:xfrm>
-              <a:off x="152466" y="833705"/>
+              <a:off x="152466" y="683803"/>
               <a:ext cx="6214458" cy="923330"/>
             </a:xfrm>
             <a:prstGeom prst="rect">
@@ -4415,7 +4450,11 @@
               <a:pPr algn="ctr"/>
               <a:r>
                 <a:rPr lang="en-US" sz="5400" b="1" cap="none" spc="0" dirty="0">
-                  <a:ln w="0"/>
+                  <a:ln w="0">
+                    <a:solidFill>
+                      <a:schemeClr val="tx1"/>
+                    </a:solidFill>
+                  </a:ln>
                   <a:solidFill>
                     <a:schemeClr val="tx1"/>
                   </a:solidFill>
@@ -4439,7 +4478,7 @@
           </p:nvSpPr>
           <p:spPr>
             <a:xfrm>
-              <a:off x="894635" y="1948139"/>
+              <a:off x="958294" y="1798237"/>
               <a:ext cx="4438844" cy="646331"/>
             </a:xfrm>
             <a:prstGeom prst="rect">
@@ -4456,7 +4495,11 @@
               <a:pPr algn="ctr"/>
               <a:r>
                 <a:rPr lang="en-US" sz="3600" b="0" cap="none" spc="0" dirty="0">
-                  <a:ln w="0"/>
+                  <a:ln w="0">
+                    <a:solidFill>
+                      <a:schemeClr val="tx1"/>
+                    </a:solidFill>
+                  </a:ln>
                   <a:solidFill>
                     <a:schemeClr val="tx1"/>
                   </a:solidFill>
@@ -4480,7 +4523,7 @@
           </p:nvSpPr>
           <p:spPr>
             <a:xfrm>
-              <a:off x="964302" y="2684158"/>
+              <a:off x="964302" y="2534256"/>
               <a:ext cx="4079899" cy="646331"/>
             </a:xfrm>
             <a:prstGeom prst="rect">
@@ -4497,13 +4540,21 @@
               <a:pPr algn="ctr"/>
               <a:r>
                 <a:rPr lang="en-US" sz="3600" dirty="0">
-                  <a:ln w="0"/>
+                  <a:ln w="0">
+                    <a:solidFill>
+                      <a:schemeClr val="tx1"/>
+                    </a:solidFill>
+                  </a:ln>
                 </a:rPr>
                 <a:t>2</a:t>
               </a:r>
               <a:r>
                 <a:rPr lang="en-US" sz="3600" b="0" cap="none" spc="0" dirty="0">
-                  <a:ln w="0"/>
+                  <a:ln w="0">
+                    <a:solidFill>
+                      <a:schemeClr val="tx1"/>
+                    </a:solidFill>
+                  </a:ln>
                   <a:solidFill>
                     <a:schemeClr val="tx1"/>
                   </a:solidFill>
@@ -4527,7 +4578,7 @@
           </p:nvSpPr>
           <p:spPr>
             <a:xfrm>
-              <a:off x="931504" y="3420177"/>
+              <a:off x="931504" y="3270275"/>
               <a:ext cx="4442050" cy="646331"/>
             </a:xfrm>
             <a:prstGeom prst="rect">
@@ -4544,7 +4595,11 @@
               <a:pPr algn="ctr"/>
               <a:r>
                 <a:rPr lang="en-US" sz="3600" b="0" cap="none" spc="0" dirty="0">
-                  <a:ln w="0"/>
+                  <a:ln w="0">
+                    <a:solidFill>
+                      <a:schemeClr val="tx1"/>
+                    </a:solidFill>
+                  </a:ln>
                   <a:solidFill>
                     <a:schemeClr val="tx1"/>
                   </a:solidFill>
@@ -4568,7 +4623,7 @@
           </p:nvSpPr>
           <p:spPr>
             <a:xfrm>
-              <a:off x="958851" y="4156196"/>
+              <a:off x="958851" y="4006294"/>
               <a:ext cx="4082785" cy="646331"/>
             </a:xfrm>
             <a:prstGeom prst="rect">
@@ -4585,7 +4640,11 @@
               <a:pPr algn="ctr"/>
               <a:r>
                 <a:rPr lang="en-US" sz="3600" b="0" cap="none" spc="0" dirty="0">
-                  <a:ln w="0"/>
+                  <a:ln w="0">
+                    <a:solidFill>
+                      <a:schemeClr val="tx1"/>
+                    </a:solidFill>
+                  </a:ln>
                   <a:solidFill>
                     <a:schemeClr val="tx1"/>
                   </a:solidFill>
@@ -4609,7 +4668,7 @@
           </p:nvSpPr>
           <p:spPr>
             <a:xfrm>
-              <a:off x="927432" y="4892216"/>
+              <a:off x="958851" y="4714526"/>
               <a:ext cx="3934027" cy="646331"/>
             </a:xfrm>
             <a:prstGeom prst="rect">
@@ -4626,13 +4685,21 @@
               <a:pPr algn="ctr"/>
               <a:r>
                 <a:rPr lang="en-US" sz="3600" dirty="0">
-                  <a:ln w="0"/>
+                  <a:ln w="0">
+                    <a:solidFill>
+                      <a:schemeClr val="tx1"/>
+                    </a:solidFill>
+                  </a:ln>
                 </a:rPr>
                 <a:t>9</a:t>
               </a:r>
               <a:r>
                 <a:rPr lang="en-US" sz="3600" b="0" cap="none" spc="0" dirty="0">
-                  <a:ln w="0"/>
+                  <a:ln w="0">
+                    <a:solidFill>
+                      <a:schemeClr val="tx1"/>
+                    </a:solidFill>
+                  </a:ln>
                   <a:solidFill>
                     <a:schemeClr val="tx1"/>
                   </a:solidFill>
@@ -4656,14 +4723,14 @@
           </p:nvSpPr>
           <p:spPr>
             <a:xfrm>
-              <a:off x="6691838" y="904596"/>
+              <a:off x="6691838" y="754694"/>
               <a:ext cx="4967133" cy="4528605"/>
             </a:xfrm>
             <a:prstGeom prst="triangle">
               <a:avLst/>
             </a:prstGeom>
             <a:solidFill>
-              <a:srgbClr val="029843"/>
+              <a:srgbClr val="A4EBBC"/>
             </a:solidFill>
             <a:ln w="57150">
               <a:solidFill>
@@ -4692,7 +4759,7 @@
             <a:lstStyle/>
             <a:p>
               <a:pPr algn="ctr"/>
-              <a:endParaRPr lang="en-US" dirty="0"/>
+              <a:endParaRPr lang="en-US" u="sng" dirty="0"/>
             </a:p>
           </p:txBody>
         </p:sp>
@@ -4712,51 +4779,8 @@
           </p:nvCxnSpPr>
           <p:spPr>
             <a:xfrm>
-              <a:off x="8703860" y="1757035"/>
+              <a:off x="8714702" y="1750392"/>
               <a:ext cx="921403" cy="0"/>
-            </a:xfrm>
-            <a:prstGeom prst="line">
-              <a:avLst/>
-            </a:prstGeom>
-            <a:ln w="57150">
-              <a:solidFill>
-                <a:schemeClr val="tx1"/>
-              </a:solidFill>
-            </a:ln>
-          </p:spPr>
-          <p:style>
-            <a:lnRef idx="1">
-              <a:schemeClr val="accent1"/>
-            </a:lnRef>
-            <a:fillRef idx="0">
-              <a:schemeClr val="accent1"/>
-            </a:fillRef>
-            <a:effectRef idx="0">
-              <a:schemeClr val="accent1"/>
-            </a:effectRef>
-            <a:fontRef idx="minor">
-              <a:schemeClr val="tx1"/>
-            </a:fontRef>
-          </p:style>
-        </p:cxnSp>
-        <p:cxnSp>
-          <p:nvCxnSpPr>
-            <p:cNvPr id="26" name="Straight Connector 25">
-              <a:extLst>
-                <a:ext uri="{FF2B5EF4-FFF2-40B4-BE49-F238E27FC236}">
-                  <a16:creationId xmlns:a16="http://schemas.microsoft.com/office/drawing/2014/main" id="{63C9E82E-D2BA-4B3E-885E-7A81471BB3F4}"/>
-                </a:ext>
-              </a:extLst>
-            </p:cNvPr>
-            <p:cNvCxnSpPr>
-              <a:cxnSpLocks/>
-            </p:cNvCxnSpPr>
-            <p:nvPr/>
-          </p:nvCxnSpPr>
-          <p:spPr>
-            <a:xfrm>
-              <a:off x="8452022" y="2271304"/>
-              <a:ext cx="1483322" cy="0"/>
             </a:xfrm>
             <a:prstGeom prst="line">
               <a:avLst/>
@@ -4798,7 +4822,7 @@
           </p:nvCxnSpPr>
           <p:spPr>
             <a:xfrm>
-              <a:off x="8415463" y="2271304"/>
+              <a:off x="8421434" y="2293601"/>
               <a:ext cx="1519881" cy="0"/>
             </a:xfrm>
             <a:prstGeom prst="line">
@@ -4841,7 +4865,7 @@
           </p:nvCxnSpPr>
           <p:spPr>
             <a:xfrm>
-              <a:off x="8118389" y="2839054"/>
+              <a:off x="8124360" y="2861351"/>
               <a:ext cx="2125362" cy="0"/>
             </a:xfrm>
             <a:prstGeom prst="line">
@@ -4884,7 +4908,7 @@
           </p:nvCxnSpPr>
           <p:spPr>
             <a:xfrm flipV="1">
-              <a:off x="7797114" y="3420177"/>
+              <a:off x="7803085" y="3442474"/>
               <a:ext cx="2767913" cy="8823"/>
             </a:xfrm>
             <a:prstGeom prst="line">
@@ -4927,7 +4951,7 @@
           </p:nvCxnSpPr>
           <p:spPr>
             <a:xfrm flipV="1">
-              <a:off x="7426411" y="4066508"/>
+              <a:off x="7432382" y="4088805"/>
               <a:ext cx="3496962" cy="8823"/>
             </a:xfrm>
             <a:prstGeom prst="line">
@@ -4970,7 +4994,7 @@
           </p:nvCxnSpPr>
           <p:spPr>
             <a:xfrm>
-              <a:off x="7105135" y="4720017"/>
+              <a:off x="7111106" y="4742314"/>
               <a:ext cx="4186259" cy="17082"/>
             </a:xfrm>
             <a:prstGeom prst="line">
@@ -5011,7 +5035,7 @@
           </p:nvSpPr>
           <p:spPr>
             <a:xfrm>
-              <a:off x="8789590" y="1728095"/>
+              <a:off x="8795561" y="1750392"/>
               <a:ext cx="768159" cy="584775"/>
             </a:xfrm>
             <a:prstGeom prst="rect">
@@ -5020,7 +5044,7 @@
             <a:noFill/>
           </p:spPr>
           <p:txBody>
-            <a:bodyPr wrap="none" lIns="91440" tIns="45720" rIns="91440" bIns="45720">
+            <a:bodyPr wrap="square" lIns="91440" tIns="45720" rIns="91440" bIns="45720">
               <a:spAutoFit/>
             </a:bodyPr>
             <a:lstStyle/>
@@ -5028,17 +5052,14 @@
               <a:pPr algn="ctr"/>
               <a:r>
                 <a:rPr lang="en-US" sz="3200" b="0" cap="none" spc="0" dirty="0">
-                  <a:ln w="0"/>
+                  <a:ln w="0">
+                    <a:solidFill>
+                      <a:schemeClr val="tx1"/>
+                    </a:solidFill>
+                  </a:ln>
                   <a:solidFill>
-                    <a:schemeClr val="bg1"/>
+                    <a:sysClr val="windowText" lastClr="000000"/>
                   </a:solidFill>
-                  <a:effectLst>
-                    <a:outerShdw blurRad="38100" dist="19050" dir="2700000" algn="tl" rotWithShape="0">
-                      <a:schemeClr val="dk1">
-                        <a:alpha val="40000"/>
-                      </a:schemeClr>
-                    </a:outerShdw>
-                  </a:effectLst>
                   <a:latin typeface="Bahnschrift Light SemiCondensed" panose="020B0502040204020203" pitchFamily="34" charset="0"/>
                 </a:rPr>
                 <a:t>10%</a:t>
@@ -5060,7 +5081,7 @@
           </p:nvSpPr>
           <p:spPr>
             <a:xfrm>
-              <a:off x="8757529" y="2257339"/>
+              <a:off x="8763500" y="2279636"/>
               <a:ext cx="832280" cy="584775"/>
             </a:xfrm>
             <a:prstGeom prst="rect">
@@ -5069,7 +5090,7 @@
             <a:noFill/>
           </p:spPr>
           <p:txBody>
-            <a:bodyPr wrap="none" lIns="91440" tIns="45720" rIns="91440" bIns="45720">
+            <a:bodyPr wrap="square" lIns="91440" tIns="45720" rIns="91440" bIns="45720">
               <a:spAutoFit/>
             </a:bodyPr>
             <a:lstStyle/>
@@ -5077,34 +5098,28 @@
               <a:pPr algn="ctr"/>
               <a:r>
                 <a:rPr lang="en-US" sz="3200" dirty="0">
-                  <a:ln w="0"/>
+                  <a:ln w="0">
+                    <a:solidFill>
+                      <a:schemeClr val="tx1"/>
+                    </a:solidFill>
+                  </a:ln>
                   <a:solidFill>
-                    <a:schemeClr val="bg1"/>
+                    <a:sysClr val="windowText" lastClr="000000"/>
                   </a:solidFill>
-                  <a:effectLst>
-                    <a:outerShdw blurRad="38100" dist="19050" dir="2700000" algn="tl" rotWithShape="0">
-                      <a:schemeClr val="dk1">
-                        <a:alpha val="40000"/>
-                      </a:schemeClr>
-                    </a:outerShdw>
-                  </a:effectLst>
                   <a:latin typeface="Bahnschrift Light SemiCondensed" panose="020B0502040204020203" pitchFamily="34" charset="0"/>
                 </a:rPr>
                 <a:t>2</a:t>
               </a:r>
               <a:r>
                 <a:rPr lang="en-US" sz="3200" b="0" cap="none" spc="0" dirty="0">
-                  <a:ln w="0"/>
+                  <a:ln w="0">
+                    <a:solidFill>
+                      <a:schemeClr val="tx1"/>
+                    </a:solidFill>
+                  </a:ln>
                   <a:solidFill>
-                    <a:schemeClr val="bg1"/>
+                    <a:sysClr val="windowText" lastClr="000000"/>
                   </a:solidFill>
-                  <a:effectLst>
-                    <a:outerShdw blurRad="38100" dist="19050" dir="2700000" algn="tl" rotWithShape="0">
-                      <a:schemeClr val="dk1">
-                        <a:alpha val="40000"/>
-                      </a:schemeClr>
-                    </a:outerShdw>
-                  </a:effectLst>
                   <a:latin typeface="Bahnschrift Light SemiCondensed" panose="020B0502040204020203" pitchFamily="34" charset="0"/>
                 </a:rPr>
                 <a:t>0%</a:t>
@@ -5126,7 +5141,7 @@
           </p:nvSpPr>
           <p:spPr>
             <a:xfrm>
-              <a:off x="8755927" y="2840273"/>
+              <a:off x="8761898" y="2862570"/>
               <a:ext cx="835485" cy="584775"/>
             </a:xfrm>
             <a:prstGeom prst="rect">
@@ -5135,7 +5150,7 @@
             <a:noFill/>
           </p:spPr>
           <p:txBody>
-            <a:bodyPr wrap="none" lIns="91440" tIns="45720" rIns="91440" bIns="45720">
+            <a:bodyPr wrap="square" lIns="91440" tIns="45720" rIns="91440" bIns="45720">
               <a:spAutoFit/>
             </a:bodyPr>
             <a:lstStyle/>
@@ -5143,17 +5158,14 @@
               <a:pPr algn="ctr"/>
               <a:r>
                 <a:rPr lang="en-US" sz="3200" b="0" cap="none" spc="0" dirty="0">
-                  <a:ln w="0"/>
+                  <a:ln w="0">
+                    <a:solidFill>
+                      <a:schemeClr val="tx1"/>
+                    </a:solidFill>
+                  </a:ln>
                   <a:solidFill>
-                    <a:schemeClr val="bg1"/>
+                    <a:sysClr val="windowText" lastClr="000000"/>
                   </a:solidFill>
-                  <a:effectLst>
-                    <a:outerShdw blurRad="38100" dist="19050" dir="2700000" algn="tl" rotWithShape="0">
-                      <a:schemeClr val="dk1">
-                        <a:alpha val="40000"/>
-                      </a:schemeClr>
-                    </a:outerShdw>
-                  </a:effectLst>
                   <a:latin typeface="Bahnschrift Light SemiCondensed" panose="020B0502040204020203" pitchFamily="34" charset="0"/>
                 </a:rPr>
                 <a:t>30%</a:t>
@@ -5175,7 +5187,7 @@
           </p:nvSpPr>
           <p:spPr>
             <a:xfrm>
-              <a:off x="8760735" y="3439600"/>
+              <a:off x="8766706" y="3461897"/>
               <a:ext cx="825868" cy="584775"/>
             </a:xfrm>
             <a:prstGeom prst="rect">
@@ -5184,7 +5196,7 @@
             <a:noFill/>
           </p:spPr>
           <p:txBody>
-            <a:bodyPr wrap="none" lIns="91440" tIns="45720" rIns="91440" bIns="45720">
+            <a:bodyPr wrap="square" lIns="91440" tIns="45720" rIns="91440" bIns="45720">
               <a:spAutoFit/>
             </a:bodyPr>
             <a:lstStyle/>
@@ -5192,34 +5204,28 @@
               <a:pPr algn="ctr"/>
               <a:r>
                 <a:rPr lang="en-US" sz="3200" dirty="0">
-                  <a:ln w="0"/>
+                  <a:ln w="0">
+                    <a:solidFill>
+                      <a:schemeClr val="tx1"/>
+                    </a:solidFill>
+                  </a:ln>
                   <a:solidFill>
-                    <a:schemeClr val="bg1"/>
+                    <a:sysClr val="windowText" lastClr="000000"/>
                   </a:solidFill>
-                  <a:effectLst>
-                    <a:outerShdw blurRad="38100" dist="19050" dir="2700000" algn="tl" rotWithShape="0">
-                      <a:schemeClr val="dk1">
-                        <a:alpha val="40000"/>
-                      </a:schemeClr>
-                    </a:outerShdw>
-                  </a:effectLst>
                   <a:latin typeface="Bahnschrift Light SemiCondensed" panose="020B0502040204020203" pitchFamily="34" charset="0"/>
                 </a:rPr>
                 <a:t>7</a:t>
               </a:r>
               <a:r>
                 <a:rPr lang="en-US" sz="3200" b="0" cap="none" spc="0" dirty="0">
-                  <a:ln w="0"/>
+                  <a:ln w="0">
+                    <a:solidFill>
+                      <a:schemeClr val="tx1"/>
+                    </a:solidFill>
+                  </a:ln>
                   <a:solidFill>
-                    <a:schemeClr val="bg1"/>
+                    <a:sysClr val="windowText" lastClr="000000"/>
                   </a:solidFill>
-                  <a:effectLst>
-                    <a:outerShdw blurRad="38100" dist="19050" dir="2700000" algn="tl" rotWithShape="0">
-                      <a:schemeClr val="dk1">
-                        <a:alpha val="40000"/>
-                      </a:schemeClr>
-                    </a:outerShdw>
-                  </a:effectLst>
                   <a:latin typeface="Bahnschrift Light SemiCondensed" panose="020B0502040204020203" pitchFamily="34" charset="0"/>
                 </a:rPr>
                 <a:t>0%</a:t>
@@ -5241,7 +5247,7 @@
           </p:nvSpPr>
           <p:spPr>
             <a:xfrm>
-              <a:off x="8759133" y="4093677"/>
+              <a:off x="8765104" y="4115974"/>
               <a:ext cx="829073" cy="584775"/>
             </a:xfrm>
             <a:prstGeom prst="rect">
@@ -5250,7 +5256,7 @@
             <a:noFill/>
           </p:spPr>
           <p:txBody>
-            <a:bodyPr wrap="none" lIns="91440" tIns="45720" rIns="91440" bIns="45720">
+            <a:bodyPr wrap="square" lIns="91440" tIns="45720" rIns="91440" bIns="45720">
               <a:spAutoFit/>
             </a:bodyPr>
             <a:lstStyle/>
@@ -5258,17 +5264,14 @@
               <a:pPr algn="ctr"/>
               <a:r>
                 <a:rPr lang="en-US" sz="3200" b="0" cap="none" spc="0" dirty="0">
-                  <a:ln w="0"/>
+                  <a:ln w="0">
+                    <a:solidFill>
+                      <a:schemeClr val="tx1"/>
+                    </a:solidFill>
+                  </a:ln>
                   <a:solidFill>
-                    <a:schemeClr val="bg1"/>
+                    <a:sysClr val="windowText" lastClr="000000"/>
                   </a:solidFill>
-                  <a:effectLst>
-                    <a:outerShdw blurRad="38100" dist="19050" dir="2700000" algn="tl" rotWithShape="0">
-                      <a:schemeClr val="dk1">
-                        <a:alpha val="40000"/>
-                      </a:schemeClr>
-                    </a:outerShdw>
-                  </a:effectLst>
                   <a:latin typeface="Bahnschrift Light SemiCondensed" panose="020B0502040204020203" pitchFamily="34" charset="0"/>
                 </a:rPr>
                 <a:t>90%</a:t>

--- a/images/gen.pptx
+++ b/images/gen.pptx
@@ -201,7 +201,7 @@
           <a:p>
             <a:fld id="{E8F89FD8-6227-442C-A623-BA311A8FCDF8}" type="datetimeFigureOut">
               <a:rPr lang="en-US" smtClean="0"/>
-              <a:t>4/22/2021</a:t>
+              <a:t>4/24/2021</a:t>
             </a:fld>
             <a:endParaRPr lang="en-US"/>
           </a:p>
@@ -699,7 +699,7 @@
           <a:p>
             <a:fld id="{91D99814-262F-40F8-BF7C-0D9B08F3E6A2}" type="datetimeFigureOut">
               <a:rPr lang="en-US" smtClean="0"/>
-              <a:t>4/22/2021</a:t>
+              <a:t>4/24/2021</a:t>
             </a:fld>
             <a:endParaRPr lang="en-US"/>
           </a:p>
@@ -897,7 +897,7 @@
           <a:p>
             <a:fld id="{91D99814-262F-40F8-BF7C-0D9B08F3E6A2}" type="datetimeFigureOut">
               <a:rPr lang="en-US" smtClean="0"/>
-              <a:t>4/22/2021</a:t>
+              <a:t>4/24/2021</a:t>
             </a:fld>
             <a:endParaRPr lang="en-US"/>
           </a:p>
@@ -1105,7 +1105,7 @@
           <a:p>
             <a:fld id="{91D99814-262F-40F8-BF7C-0D9B08F3E6A2}" type="datetimeFigureOut">
               <a:rPr lang="en-US" smtClean="0"/>
-              <a:t>4/22/2021</a:t>
+              <a:t>4/24/2021</a:t>
             </a:fld>
             <a:endParaRPr lang="en-US"/>
           </a:p>
@@ -1303,7 +1303,7 @@
           <a:p>
             <a:fld id="{91D99814-262F-40F8-BF7C-0D9B08F3E6A2}" type="datetimeFigureOut">
               <a:rPr lang="en-US" smtClean="0"/>
-              <a:t>4/22/2021</a:t>
+              <a:t>4/24/2021</a:t>
             </a:fld>
             <a:endParaRPr lang="en-US"/>
           </a:p>
@@ -1578,7 +1578,7 @@
           <a:p>
             <a:fld id="{91D99814-262F-40F8-BF7C-0D9B08F3E6A2}" type="datetimeFigureOut">
               <a:rPr lang="en-US" smtClean="0"/>
-              <a:t>4/22/2021</a:t>
+              <a:t>4/24/2021</a:t>
             </a:fld>
             <a:endParaRPr lang="en-US"/>
           </a:p>
@@ -1843,7 +1843,7 @@
           <a:p>
             <a:fld id="{91D99814-262F-40F8-BF7C-0D9B08F3E6A2}" type="datetimeFigureOut">
               <a:rPr lang="en-US" smtClean="0"/>
-              <a:t>4/22/2021</a:t>
+              <a:t>4/24/2021</a:t>
             </a:fld>
             <a:endParaRPr lang="en-US"/>
           </a:p>
@@ -2255,7 +2255,7 @@
           <a:p>
             <a:fld id="{91D99814-262F-40F8-BF7C-0D9B08F3E6A2}" type="datetimeFigureOut">
               <a:rPr lang="en-US" smtClean="0"/>
-              <a:t>4/22/2021</a:t>
+              <a:t>4/24/2021</a:t>
             </a:fld>
             <a:endParaRPr lang="en-US"/>
           </a:p>
@@ -2396,7 +2396,7 @@
           <a:p>
             <a:fld id="{91D99814-262F-40F8-BF7C-0D9B08F3E6A2}" type="datetimeFigureOut">
               <a:rPr lang="en-US" smtClean="0"/>
-              <a:t>4/22/2021</a:t>
+              <a:t>4/24/2021</a:t>
             </a:fld>
             <a:endParaRPr lang="en-US"/>
           </a:p>
@@ -2509,7 +2509,7 @@
           <a:p>
             <a:fld id="{91D99814-262F-40F8-BF7C-0D9B08F3E6A2}" type="datetimeFigureOut">
               <a:rPr lang="en-US" smtClean="0"/>
-              <a:t>4/22/2021</a:t>
+              <a:t>4/24/2021</a:t>
             </a:fld>
             <a:endParaRPr lang="en-US"/>
           </a:p>
@@ -2820,7 +2820,7 @@
           <a:p>
             <a:fld id="{91D99814-262F-40F8-BF7C-0D9B08F3E6A2}" type="datetimeFigureOut">
               <a:rPr lang="en-US" smtClean="0"/>
-              <a:t>4/22/2021</a:t>
+              <a:t>4/24/2021</a:t>
             </a:fld>
             <a:endParaRPr lang="en-US"/>
           </a:p>
@@ -3108,7 +3108,7 @@
           <a:p>
             <a:fld id="{91D99814-262F-40F8-BF7C-0D9B08F3E6A2}" type="datetimeFigureOut">
               <a:rPr lang="en-US" smtClean="0"/>
-              <a:t>4/22/2021</a:t>
+              <a:t>4/24/2021</a:t>
             </a:fld>
             <a:endParaRPr lang="en-US"/>
           </a:p>
@@ -3349,7 +3349,7 @@
           <a:p>
             <a:fld id="{91D99814-262F-40F8-BF7C-0D9B08F3E6A2}" type="datetimeFigureOut">
               <a:rPr lang="en-US" smtClean="0"/>
-              <a:t>4/22/2021</a:t>
+              <a:t>4/24/2021</a:t>
             </a:fld>
             <a:endParaRPr lang="en-US"/>
           </a:p>
@@ -4157,6 +4157,41 @@
         <p:spPr>
           <a:xfrm>
             <a:off x="1482812" y="1164101"/>
+            <a:ext cx="3644470" cy="3657599"/>
+          </a:xfrm>
+          <a:prstGeom prst="rect">
+            <a:avLst/>
+          </a:prstGeom>
+        </p:spPr>
+      </p:pic>
+      <p:pic>
+        <p:nvPicPr>
+          <p:cNvPr id="7" name="Picture 6">
+            <a:extLst>
+              <a:ext uri="{FF2B5EF4-FFF2-40B4-BE49-F238E27FC236}">
+                <a16:creationId xmlns:a16="http://schemas.microsoft.com/office/drawing/2014/main" id="{ED5B6848-522D-4A51-B090-02449FF14D39}"/>
+              </a:ext>
+            </a:extLst>
+          </p:cNvPr>
+          <p:cNvPicPr>
+            <a:picLocks noChangeAspect="1"/>
+          </p:cNvPicPr>
+          <p:nvPr/>
+        </p:nvPicPr>
+        <p:blipFill rotWithShape="1">
+          <a:blip r:embed="rId6">
+            <a:extLst>
+              <a:ext uri="{28A0092B-C50C-407E-A947-70E740481C1C}">
+                <a14:useLocalDpi xmlns:a14="http://schemas.microsoft.com/office/drawing/2010/main" val="0"/>
+              </a:ext>
+            </a:extLst>
+          </a:blip>
+          <a:srcRect l="31487" t="7179"/>
+          <a:stretch/>
+        </p:blipFill>
+        <p:spPr>
+          <a:xfrm>
+            <a:off x="5660917" y="123091"/>
             <a:ext cx="3644470" cy="3657599"/>
           </a:xfrm>
           <a:prstGeom prst="rect">
